--- a/presentation_ita/Presentation.pptx
+++ b/presentation_ita/Presentation.pptx
@@ -165,7 +165,7 @@
 <file path=ppt/revisionInfo.xml><?xml version="1.0" encoding="utf-8"?>
 <p1510:revInfo xmlns:a="http://schemas.openxmlformats.org/drawingml/2006/main" xmlns:r="http://schemas.openxmlformats.org/officeDocument/2006/relationships" xmlns:p1510="http://schemas.microsoft.com/office/powerpoint/2015/10/main">
   <p1510:revLst>
-    <p1510:client id="{24E3359C-077E-4E8F-83D9-2A9CE6B38CB7}" v="86" dt="2023-09-27T16:53:15.667"/>
+    <p1510:client id="{24E3359C-077E-4E8F-83D9-2A9CE6B38CB7}" v="369" dt="2023-09-29T10:02:19.424"/>
   </p1510:revLst>
 </p1510:revInfo>
 </file>
@@ -175,7 +175,7 @@
   <pc:docChgLst>
     <pc:chgData name="Matteo Locatelli" userId="cfbc0cec591b1e71" providerId="LiveId" clId="{24E3359C-077E-4E8F-83D9-2A9CE6B38CB7}"/>
     <pc:docChg chg="undo redo custSel addSld delSld modSld sldOrd">
-      <pc:chgData name="Matteo Locatelli" userId="cfbc0cec591b1e71" providerId="LiveId" clId="{24E3359C-077E-4E8F-83D9-2A9CE6B38CB7}" dt="2023-09-27T16:55:30.189" v="11147" actId="20577"/>
+      <pc:chgData name="Matteo Locatelli" userId="cfbc0cec591b1e71" providerId="LiveId" clId="{24E3359C-077E-4E8F-83D9-2A9CE6B38CB7}" dt="2023-09-29T10:02:19.424" v="11433"/>
       <pc:docMkLst>
         <pc:docMk/>
       </pc:docMkLst>
@@ -262,8 +262,8 @@
           <pc:sldMk cId="0" sldId="265"/>
         </pc:sldMkLst>
       </pc:sldChg>
-      <pc:sldChg chg="addSp delSp modSp mod">
-        <pc:chgData name="Matteo Locatelli" userId="cfbc0cec591b1e71" providerId="LiveId" clId="{24E3359C-077E-4E8F-83D9-2A9CE6B38CB7}" dt="2023-09-27T13:38:22.419" v="10708" actId="20577"/>
+      <pc:sldChg chg="addSp delSp modSp mod modAnim">
+        <pc:chgData name="Matteo Locatelli" userId="cfbc0cec591b1e71" providerId="LiveId" clId="{24E3359C-077E-4E8F-83D9-2A9CE6B38CB7}" dt="2023-09-29T10:02:19.424" v="11433"/>
         <pc:sldMkLst>
           <pc:docMk/>
           <pc:sldMk cId="0" sldId="275"/>
@@ -277,7 +277,7 @@
           </ac:spMkLst>
         </pc:spChg>
         <pc:spChg chg="mod">
-          <ac:chgData name="Matteo Locatelli" userId="cfbc0cec591b1e71" providerId="LiveId" clId="{24E3359C-077E-4E8F-83D9-2A9CE6B38CB7}" dt="2023-09-27T13:38:22.419" v="10708" actId="20577"/>
+          <ac:chgData name="Matteo Locatelli" userId="cfbc0cec591b1e71" providerId="LiveId" clId="{24E3359C-077E-4E8F-83D9-2A9CE6B38CB7}" dt="2023-09-29T07:56:51.136" v="11252"/>
           <ac:spMkLst>
             <pc:docMk/>
             <pc:sldMk cId="0" sldId="275"/>
@@ -815,8 +815,8 @@
           </ac:spMkLst>
         </pc:spChg>
       </pc:sldChg>
-      <pc:sldChg chg="addSp delSp modSp add mod">
-        <pc:chgData name="Matteo Locatelli" userId="cfbc0cec591b1e71" providerId="LiveId" clId="{24E3359C-077E-4E8F-83D9-2A9CE6B38CB7}" dt="2023-09-27T15:53:45.470" v="11097" actId="1076"/>
+      <pc:sldChg chg="addSp delSp modSp add mod modAnim">
+        <pc:chgData name="Matteo Locatelli" userId="cfbc0cec591b1e71" providerId="LiveId" clId="{24E3359C-077E-4E8F-83D9-2A9CE6B38CB7}" dt="2023-09-28T10:02:17.988" v="11232"/>
         <pc:sldMkLst>
           <pc:docMk/>
           <pc:sldMk cId="473154980" sldId="323"/>
@@ -838,7 +838,7 @@
           </ac:spMkLst>
         </pc:spChg>
         <pc:spChg chg="mod">
-          <ac:chgData name="Matteo Locatelli" userId="cfbc0cec591b1e71" providerId="LiveId" clId="{24E3359C-077E-4E8F-83D9-2A9CE6B38CB7}" dt="2023-09-27T15:53:45.470" v="11097" actId="1076"/>
+          <ac:chgData name="Matteo Locatelli" userId="cfbc0cec591b1e71" providerId="LiveId" clId="{24E3359C-077E-4E8F-83D9-2A9CE6B38CB7}" dt="2023-09-28T08:51:04.447" v="11156" actId="20577"/>
           <ac:spMkLst>
             <pc:docMk/>
             <pc:sldMk cId="473154980" sldId="323"/>
@@ -846,7 +846,7 @@
           </ac:spMkLst>
         </pc:spChg>
         <pc:spChg chg="mod">
-          <ac:chgData name="Matteo Locatelli" userId="cfbc0cec591b1e71" providerId="LiveId" clId="{24E3359C-077E-4E8F-83D9-2A9CE6B38CB7}" dt="2023-09-27T15:53:32.394" v="11096" actId="14100"/>
+          <ac:chgData name="Matteo Locatelli" userId="cfbc0cec591b1e71" providerId="LiveId" clId="{24E3359C-077E-4E8F-83D9-2A9CE6B38CB7}" dt="2023-09-28T08:52:38.881" v="11176" actId="114"/>
           <ac:spMkLst>
             <pc:docMk/>
             <pc:sldMk cId="473154980" sldId="323"/>
@@ -871,13 +871,13 @@
         </pc:picChg>
       </pc:sldChg>
       <pc:sldChg chg="addSp modSp add mod">
-        <pc:chgData name="Matteo Locatelli" userId="cfbc0cec591b1e71" providerId="LiveId" clId="{24E3359C-077E-4E8F-83D9-2A9CE6B38CB7}" dt="2023-09-27T12:49:23.898" v="10506" actId="1076"/>
+        <pc:chgData name="Matteo Locatelli" userId="cfbc0cec591b1e71" providerId="LiveId" clId="{24E3359C-077E-4E8F-83D9-2A9CE6B38CB7}" dt="2023-09-28T13:22:10.055" v="11248" actId="20577"/>
         <pc:sldMkLst>
           <pc:docMk/>
           <pc:sldMk cId="4204958438" sldId="324"/>
         </pc:sldMkLst>
         <pc:spChg chg="add mod">
-          <ac:chgData name="Matteo Locatelli" userId="cfbc0cec591b1e71" providerId="LiveId" clId="{24E3359C-077E-4E8F-83D9-2A9CE6B38CB7}" dt="2023-09-27T11:17:01.166" v="10489" actId="20577"/>
+          <ac:chgData name="Matteo Locatelli" userId="cfbc0cec591b1e71" providerId="LiveId" clId="{24E3359C-077E-4E8F-83D9-2A9CE6B38CB7}" dt="2023-09-28T09:05:57.796" v="11222" actId="20577"/>
           <ac:spMkLst>
             <pc:docMk/>
             <pc:sldMk cId="4204958438" sldId="324"/>
@@ -890,6 +890,14 @@
             <pc:docMk/>
             <pc:sldMk cId="4204958438" sldId="324"/>
             <ac:spMk id="3" creationId="{00000000-0000-0000-0000-000000000000}"/>
+          </ac:spMkLst>
+        </pc:spChg>
+        <pc:spChg chg="mod">
+          <ac:chgData name="Matteo Locatelli" userId="cfbc0cec591b1e71" providerId="LiveId" clId="{24E3359C-077E-4E8F-83D9-2A9CE6B38CB7}" dt="2023-09-28T13:22:10.055" v="11248" actId="20577"/>
+          <ac:spMkLst>
+            <pc:docMk/>
+            <pc:sldMk cId="4204958438" sldId="324"/>
+            <ac:spMk id="4" creationId="{30A6279E-F8F5-2EB6-4657-FC41AF808142}"/>
           </ac:spMkLst>
         </pc:spChg>
         <pc:picChg chg="add mod">
@@ -933,7 +941,7 @@
         </pc:spChg>
       </pc:sldChg>
       <pc:sldChg chg="addSp delSp modSp add mod ord">
-        <pc:chgData name="Matteo Locatelli" userId="cfbc0cec591b1e71" providerId="LiveId" clId="{24E3359C-077E-4E8F-83D9-2A9CE6B38CB7}" dt="2023-09-27T15:54:13.059" v="11113" actId="114"/>
+        <pc:chgData name="Matteo Locatelli" userId="cfbc0cec591b1e71" providerId="LiveId" clId="{24E3359C-077E-4E8F-83D9-2A9CE6B38CB7}" dt="2023-09-28T08:34:35.601" v="11149" actId="20577"/>
         <pc:sldMkLst>
           <pc:docMk/>
           <pc:sldMk cId="2103667811" sldId="326"/>
@@ -955,7 +963,7 @@
           </ac:spMkLst>
         </pc:spChg>
         <pc:spChg chg="add mod">
-          <ac:chgData name="Matteo Locatelli" userId="cfbc0cec591b1e71" providerId="LiveId" clId="{24E3359C-077E-4E8F-83D9-2A9CE6B38CB7}" dt="2023-09-27T15:54:13.059" v="11113" actId="114"/>
+          <ac:chgData name="Matteo Locatelli" userId="cfbc0cec591b1e71" providerId="LiveId" clId="{24E3359C-077E-4E8F-83D9-2A9CE6B38CB7}" dt="2023-09-28T08:34:35.601" v="11149" actId="20577"/>
           <ac:spMkLst>
             <pc:docMk/>
             <pc:sldMk cId="2103667811" sldId="326"/>
@@ -972,7 +980,7 @@
         </pc:picChg>
       </pc:sldChg>
       <pc:sldChg chg="addSp delSp modSp add mod ord">
-        <pc:chgData name="Matteo Locatelli" userId="cfbc0cec591b1e71" providerId="LiveId" clId="{24E3359C-077E-4E8F-83D9-2A9CE6B38CB7}" dt="2023-09-27T15:57:45.962" v="11129" actId="1076"/>
+        <pc:chgData name="Matteo Locatelli" userId="cfbc0cec591b1e71" providerId="LiveId" clId="{24E3359C-077E-4E8F-83D9-2A9CE6B38CB7}" dt="2023-09-28T22:32:03.831" v="11250" actId="20577"/>
         <pc:sldMkLst>
           <pc:docMk/>
           <pc:sldMk cId="2884744800" sldId="327"/>
@@ -994,7 +1002,7 @@
           </ac:spMkLst>
         </pc:spChg>
         <pc:spChg chg="mod">
-          <ac:chgData name="Matteo Locatelli" userId="cfbc0cec591b1e71" providerId="LiveId" clId="{24E3359C-077E-4E8F-83D9-2A9CE6B38CB7}" dt="2023-09-27T15:52:47.219" v="11082" actId="114"/>
+          <ac:chgData name="Matteo Locatelli" userId="cfbc0cec591b1e71" providerId="LiveId" clId="{24E3359C-077E-4E8F-83D9-2A9CE6B38CB7}" dt="2023-09-28T22:32:03.831" v="11250" actId="20577"/>
           <ac:spMkLst>
             <pc:docMk/>
             <pc:sldMk cId="2884744800" sldId="327"/>
@@ -1027,7 +1035,7 @@
         </pc:picChg>
       </pc:sldChg>
       <pc:sldChg chg="addSp modSp add mod ord">
-        <pc:chgData name="Matteo Locatelli" userId="cfbc0cec591b1e71" providerId="LiveId" clId="{24E3359C-077E-4E8F-83D9-2A9CE6B38CB7}" dt="2023-09-27T09:39:57.786" v="6911" actId="20577"/>
+        <pc:chgData name="Matteo Locatelli" userId="cfbc0cec591b1e71" providerId="LiveId" clId="{24E3359C-077E-4E8F-83D9-2A9CE6B38CB7}" dt="2023-09-28T08:46:12.107" v="11153" actId="20577"/>
         <pc:sldMkLst>
           <pc:docMk/>
           <pc:sldMk cId="4284580847" sldId="328"/>
@@ -1049,7 +1057,7 @@
           </ac:spMkLst>
         </pc:spChg>
         <pc:spChg chg="add mod">
-          <ac:chgData name="Matteo Locatelli" userId="cfbc0cec591b1e71" providerId="LiveId" clId="{24E3359C-077E-4E8F-83D9-2A9CE6B38CB7}" dt="2023-09-27T09:39:57.786" v="6911" actId="20577"/>
+          <ac:chgData name="Matteo Locatelli" userId="cfbc0cec591b1e71" providerId="LiveId" clId="{24E3359C-077E-4E8F-83D9-2A9CE6B38CB7}" dt="2023-09-28T08:46:12.107" v="11153" actId="20577"/>
           <ac:spMkLst>
             <pc:docMk/>
             <pc:sldMk cId="4284580847" sldId="328"/>
@@ -1127,7 +1135,7 @@
         </pc:spChg>
       </pc:sldChg>
       <pc:sldChg chg="addSp delSp modSp add mod">
-        <pc:chgData name="Matteo Locatelli" userId="cfbc0cec591b1e71" providerId="LiveId" clId="{24E3359C-077E-4E8F-83D9-2A9CE6B38CB7}" dt="2023-09-27T13:31:27.256" v="10598" actId="20577"/>
+        <pc:chgData name="Matteo Locatelli" userId="cfbc0cec591b1e71" providerId="LiveId" clId="{24E3359C-077E-4E8F-83D9-2A9CE6B38CB7}" dt="2023-09-28T09:00:29.332" v="11215" actId="20577"/>
         <pc:sldMkLst>
           <pc:docMk/>
           <pc:sldMk cId="2239770843" sldId="332"/>
@@ -1146,6 +1154,14 @@
             <pc:docMk/>
             <pc:sldMk cId="2239770843" sldId="332"/>
             <ac:spMk id="3" creationId="{00000000-0000-0000-0000-000000000000}"/>
+          </ac:spMkLst>
+        </pc:spChg>
+        <pc:spChg chg="mod">
+          <ac:chgData name="Matteo Locatelli" userId="cfbc0cec591b1e71" providerId="LiveId" clId="{24E3359C-077E-4E8F-83D9-2A9CE6B38CB7}" dt="2023-09-28T09:00:29.332" v="11215" actId="20577"/>
+          <ac:spMkLst>
+            <pc:docMk/>
+            <pc:sldMk cId="2239770843" sldId="332"/>
+            <ac:spMk id="5" creationId="{9B1A7031-8886-0772-BC47-FEDFA511F60B}"/>
           </ac:spMkLst>
         </pc:spChg>
         <pc:picChg chg="add del mod">
@@ -1236,7 +1252,7 @@
         </pc:picChg>
       </pc:sldChg>
       <pc:sldChg chg="addSp delSp modSp add mod">
-        <pc:chgData name="Matteo Locatelli" userId="cfbc0cec591b1e71" providerId="LiveId" clId="{24E3359C-077E-4E8F-83D9-2A9CE6B38CB7}" dt="2023-09-27T13:33:08.527" v="10602" actId="14100"/>
+        <pc:chgData name="Matteo Locatelli" userId="cfbc0cec591b1e71" providerId="LiveId" clId="{24E3359C-077E-4E8F-83D9-2A9CE6B38CB7}" dt="2023-09-29T07:58:21.526" v="11417" actId="20577"/>
         <pc:sldMkLst>
           <pc:docMk/>
           <pc:sldMk cId="3142651561" sldId="335"/>
@@ -1255,6 +1271,14 @@
             <pc:docMk/>
             <pc:sldMk cId="3142651561" sldId="335"/>
             <ac:spMk id="3" creationId="{00000000-0000-0000-0000-000000000000}"/>
+          </ac:spMkLst>
+        </pc:spChg>
+        <pc:spChg chg="mod">
+          <ac:chgData name="Matteo Locatelli" userId="cfbc0cec591b1e71" providerId="LiveId" clId="{24E3359C-077E-4E8F-83D9-2A9CE6B38CB7}" dt="2023-09-29T07:58:21.526" v="11417" actId="20577"/>
+          <ac:spMkLst>
+            <pc:docMk/>
+            <pc:sldMk cId="3142651561" sldId="335"/>
+            <ac:spMk id="4" creationId="{ED8E81CA-DB71-F211-3A40-F749773DCC19}"/>
           </ac:spMkLst>
         </pc:spChg>
         <pc:picChg chg="add del mod">
@@ -1520,7 +1544,7 @@
           <a:p>
             <a:fld id="{1BE83274-B678-44EA-BAF4-0AA32708275B}" type="datetimeFigureOut">
               <a:rPr lang="it-IT" smtClean="0"/>
-              <a:t>27/09/2023</a:t>
+              <a:t>29/09/2023</a:t>
             </a:fld>
             <a:endParaRPr lang="it-IT"/>
           </a:p>
@@ -2450,7 +2474,7 @@
           <a:p>
             <a:fld id="{1D8BD707-D9CF-40AE-B4C6-C98DA3205C09}" type="datetimeFigureOut">
               <a:rPr lang="en-US"/>
-              <a:t>9/27/2023</a:t>
+              <a:t>9/29/2023</a:t>
             </a:fld>
             <a:endParaRPr lang="en-US"/>
           </a:p>
@@ -2630,7 +2654,7 @@
           <a:p>
             <a:fld id="{1D8BD707-D9CF-40AE-B4C6-C98DA3205C09}" type="datetimeFigureOut">
               <a:rPr lang="en-US"/>
-              <a:t>9/27/2023</a:t>
+              <a:t>9/29/2023</a:t>
             </a:fld>
             <a:endParaRPr lang="en-US"/>
           </a:p>
@@ -2847,7 +2871,7 @@
           <a:p>
             <a:fld id="{1D8BD707-D9CF-40AE-B4C6-C98DA3205C09}" type="datetimeFigureOut">
               <a:rPr lang="en-US"/>
-              <a:t>9/27/2023</a:t>
+              <a:t>9/29/2023</a:t>
             </a:fld>
             <a:endParaRPr lang="en-US"/>
           </a:p>
@@ -2998,7 +3022,7 @@
           <a:p>
             <a:fld id="{1D8BD707-D9CF-40AE-B4C6-C98DA3205C09}" type="datetimeFigureOut">
               <a:rPr lang="en-US"/>
-              <a:t>9/27/2023</a:t>
+              <a:t>9/29/2023</a:t>
             </a:fld>
             <a:endParaRPr lang="en-US"/>
           </a:p>
@@ -3120,7 +3144,7 @@
           <a:p>
             <a:fld id="{1D8BD707-D9CF-40AE-B4C6-C98DA3205C09}" type="datetimeFigureOut">
               <a:rPr lang="en-US"/>
-              <a:t>9/27/2023</a:t>
+              <a:t>9/29/2023</a:t>
             </a:fld>
             <a:endParaRPr lang="en-US"/>
           </a:p>
@@ -3420,7 +3444,7 @@
           <a:p>
             <a:fld id="{1D8BD707-D9CF-40AE-B4C6-C98DA3205C09}" type="datetimeFigureOut">
               <a:rPr lang="en-US"/>
-              <a:t>9/27/2023</a:t>
+              <a:t>9/29/2023</a:t>
             </a:fld>
             <a:endParaRPr lang="en-US"/>
           </a:p>
@@ -4144,8 +4168,8 @@
         </p:nvSpPr>
         <p:spPr>
           <a:xfrm>
-            <a:off x="762000" y="5144869"/>
-            <a:ext cx="7086600" cy="646331"/>
+            <a:off x="762000" y="2800529"/>
+            <a:ext cx="7086600" cy="923330"/>
           </a:xfrm>
           <a:prstGeom prst="rect">
             <a:avLst/>
@@ -4238,6 +4262,13 @@
               <a:rPr lang="it-IT" dirty="0"/>
               <a:t>versioni del kernel differenti</a:t>
             </a:r>
+          </a:p>
+          <a:p>
+            <a:pPr marL="285750" indent="-285750" algn="l">
+              <a:buFont typeface="Arial" panose="020B0604020202020204" pitchFamily="34" charset="0"/>
+              <a:buChar char="•"/>
+            </a:pPr>
+            <a:endParaRPr lang="it-IT" dirty="0"/>
           </a:p>
         </p:txBody>
       </p:sp>
@@ -4255,8 +4286,8 @@
         </p:nvSpPr>
         <p:spPr>
           <a:xfrm>
-            <a:off x="762000" y="2819400"/>
-            <a:ext cx="7239000" cy="2308324"/>
+            <a:off x="777240" y="3711476"/>
+            <a:ext cx="7239000" cy="2031325"/>
           </a:xfrm>
           <a:prstGeom prst="rect">
             <a:avLst/>
@@ -4347,15 +4378,16 @@
             </a:pPr>
             <a:r>
               <a:rPr lang="it-IT" dirty="0"/>
-              <a:t>Richiede la presenza delle intestazioni del kernel</a:t>
-            </a:r>
-          </a:p>
-          <a:p>
-            <a:pPr marL="1200150" lvl="2" indent="-285750">
-              <a:buFont typeface="Arial" panose="020B0604020202020204" pitchFamily="34" charset="0"/>
-              <a:buChar char="•"/>
-            </a:pPr>
-            <a:endParaRPr lang="it-IT" dirty="0"/>
+              <a:t>Richiede la presenza degli </a:t>
+            </a:r>
+            <a:r>
+              <a:rPr lang="it-IT" i="1" dirty="0" err="1"/>
+              <a:t>header</a:t>
+            </a:r>
+            <a:r>
+              <a:rPr lang="it-IT" dirty="0"/>
+              <a:t> del kernel</a:t>
+            </a:r>
           </a:p>
         </p:txBody>
       </p:sp>
@@ -4497,7 +4529,7 @@
                                           </p:stCondLst>
                                         </p:cTn>
                                         <p:tgtEl>
-                                          <p:spTgt spid="5"/>
+                                          <p:spTgt spid="4"/>
                                         </p:tgtEl>
                                         <p:attrNameLst>
                                           <p:attrName>style.visibility</p:attrName>
@@ -4511,6 +4543,97 @@
                                       <p:cBhvr additive="base">
                                         <p:cTn id="13" dur="500" fill="hold"/>
                                         <p:tgtEl>
+                                          <p:spTgt spid="4"/>
+                                        </p:tgtEl>
+                                        <p:attrNameLst>
+                                          <p:attrName>ppt_x</p:attrName>
+                                        </p:attrNameLst>
+                                      </p:cBhvr>
+                                      <p:tavLst>
+                                        <p:tav tm="0">
+                                          <p:val>
+                                            <p:strVal val="#ppt_x"/>
+                                          </p:val>
+                                        </p:tav>
+                                        <p:tav tm="100000">
+                                          <p:val>
+                                            <p:strVal val="#ppt_x"/>
+                                          </p:val>
+                                        </p:tav>
+                                      </p:tavLst>
+                                    </p:anim>
+                                    <p:anim calcmode="lin" valueType="num">
+                                      <p:cBhvr additive="base">
+                                        <p:cTn id="14" dur="500" fill="hold"/>
+                                        <p:tgtEl>
+                                          <p:spTgt spid="4"/>
+                                        </p:tgtEl>
+                                        <p:attrNameLst>
+                                          <p:attrName>ppt_y</p:attrName>
+                                        </p:attrNameLst>
+                                      </p:cBhvr>
+                                      <p:tavLst>
+                                        <p:tav tm="0">
+                                          <p:val>
+                                            <p:strVal val="1+#ppt_h/2"/>
+                                          </p:val>
+                                        </p:tav>
+                                        <p:tav tm="100000">
+                                          <p:val>
+                                            <p:strVal val="#ppt_y"/>
+                                          </p:val>
+                                        </p:tav>
+                                      </p:tavLst>
+                                    </p:anim>
+                                  </p:childTnLst>
+                                </p:cTn>
+                              </p:par>
+                            </p:childTnLst>
+                          </p:cTn>
+                        </p:par>
+                      </p:childTnLst>
+                    </p:cTn>
+                  </p:par>
+                  <p:par>
+                    <p:cTn id="15" fill="hold">
+                      <p:stCondLst>
+                        <p:cond delay="indefinite"/>
+                      </p:stCondLst>
+                      <p:childTnLst>
+                        <p:par>
+                          <p:cTn id="16" fill="hold">
+                            <p:stCondLst>
+                              <p:cond delay="0"/>
+                            </p:stCondLst>
+                            <p:childTnLst>
+                              <p:par>
+                                <p:cTn id="17" presetID="2" presetClass="entr" presetSubtype="4" fill="hold" grpId="0" nodeType="clickEffect">
+                                  <p:stCondLst>
+                                    <p:cond delay="0"/>
+                                  </p:stCondLst>
+                                  <p:childTnLst>
+                                    <p:set>
+                                      <p:cBhvr>
+                                        <p:cTn id="18" dur="1" fill="hold">
+                                          <p:stCondLst>
+                                            <p:cond delay="0"/>
+                                          </p:stCondLst>
+                                        </p:cTn>
+                                        <p:tgtEl>
+                                          <p:spTgt spid="5"/>
+                                        </p:tgtEl>
+                                        <p:attrNameLst>
+                                          <p:attrName>style.visibility</p:attrName>
+                                        </p:attrNameLst>
+                                      </p:cBhvr>
+                                      <p:to>
+                                        <p:strVal val="visible"/>
+                                      </p:to>
+                                    </p:set>
+                                    <p:anim calcmode="lin" valueType="num">
+                                      <p:cBhvr additive="base">
+                                        <p:cTn id="19" dur="500" fill="hold"/>
+                                        <p:tgtEl>
                                           <p:spTgt spid="5"/>
                                         </p:tgtEl>
                                         <p:attrNameLst>
@@ -4532,7 +4655,7 @@
                                     </p:anim>
                                     <p:anim calcmode="lin" valueType="num">
                                       <p:cBhvr additive="base">
-                                        <p:cTn id="14" dur="500" fill="hold"/>
+                                        <p:cTn id="20" dur="500" fill="hold"/>
                                         <p:tgtEl>
                                           <p:spTgt spid="5"/>
                                         </p:tgtEl>
@@ -4557,14 +4680,14 @@
                                 </p:cTn>
                               </p:par>
                               <p:par>
-                                <p:cTn id="15" presetID="2" presetClass="entr" presetSubtype="4" fill="hold" nodeType="withEffect">
+                                <p:cTn id="21" presetID="2" presetClass="entr" presetSubtype="4" fill="hold" nodeType="withEffect">
                                   <p:stCondLst>
                                     <p:cond delay="0"/>
                                   </p:stCondLst>
                                   <p:childTnLst>
                                     <p:set>
                                       <p:cBhvr>
-                                        <p:cTn id="16" dur="1" fill="hold">
+                                        <p:cTn id="22" dur="1" fill="hold">
                                           <p:stCondLst>
                                             <p:cond delay="0"/>
                                           </p:stCondLst>
@@ -4582,7 +4705,7 @@
                                     </p:set>
                                     <p:anim calcmode="lin" valueType="num">
                                       <p:cBhvr additive="base">
-                                        <p:cTn id="17" dur="500" fill="hold"/>
+                                        <p:cTn id="23" dur="500" fill="hold"/>
                                         <p:tgtEl>
                                           <p:spTgt spid="7"/>
                                         </p:tgtEl>
@@ -4605,100 +4728,9 @@
                                     </p:anim>
                                     <p:anim calcmode="lin" valueType="num">
                                       <p:cBhvr additive="base">
-                                        <p:cTn id="18" dur="500" fill="hold"/>
+                                        <p:cTn id="24" dur="500" fill="hold"/>
                                         <p:tgtEl>
                                           <p:spTgt spid="7"/>
-                                        </p:tgtEl>
-                                        <p:attrNameLst>
-                                          <p:attrName>ppt_y</p:attrName>
-                                        </p:attrNameLst>
-                                      </p:cBhvr>
-                                      <p:tavLst>
-                                        <p:tav tm="0">
-                                          <p:val>
-                                            <p:strVal val="1+#ppt_h/2"/>
-                                          </p:val>
-                                        </p:tav>
-                                        <p:tav tm="100000">
-                                          <p:val>
-                                            <p:strVal val="#ppt_y"/>
-                                          </p:val>
-                                        </p:tav>
-                                      </p:tavLst>
-                                    </p:anim>
-                                  </p:childTnLst>
-                                </p:cTn>
-                              </p:par>
-                            </p:childTnLst>
-                          </p:cTn>
-                        </p:par>
-                      </p:childTnLst>
-                    </p:cTn>
-                  </p:par>
-                  <p:par>
-                    <p:cTn id="19" fill="hold">
-                      <p:stCondLst>
-                        <p:cond delay="indefinite"/>
-                      </p:stCondLst>
-                      <p:childTnLst>
-                        <p:par>
-                          <p:cTn id="20" fill="hold">
-                            <p:stCondLst>
-                              <p:cond delay="0"/>
-                            </p:stCondLst>
-                            <p:childTnLst>
-                              <p:par>
-                                <p:cTn id="21" presetID="2" presetClass="entr" presetSubtype="4" fill="hold" grpId="0" nodeType="clickEffect">
-                                  <p:stCondLst>
-                                    <p:cond delay="0"/>
-                                  </p:stCondLst>
-                                  <p:childTnLst>
-                                    <p:set>
-                                      <p:cBhvr>
-                                        <p:cTn id="22" dur="1" fill="hold">
-                                          <p:stCondLst>
-                                            <p:cond delay="0"/>
-                                          </p:stCondLst>
-                                        </p:cTn>
-                                        <p:tgtEl>
-                                          <p:spTgt spid="4"/>
-                                        </p:tgtEl>
-                                        <p:attrNameLst>
-                                          <p:attrName>style.visibility</p:attrName>
-                                        </p:attrNameLst>
-                                      </p:cBhvr>
-                                      <p:to>
-                                        <p:strVal val="visible"/>
-                                      </p:to>
-                                    </p:set>
-                                    <p:anim calcmode="lin" valueType="num">
-                                      <p:cBhvr additive="base">
-                                        <p:cTn id="23" dur="500" fill="hold"/>
-                                        <p:tgtEl>
-                                          <p:spTgt spid="4"/>
-                                        </p:tgtEl>
-                                        <p:attrNameLst>
-                                          <p:attrName>ppt_x</p:attrName>
-                                        </p:attrNameLst>
-                                      </p:cBhvr>
-                                      <p:tavLst>
-                                        <p:tav tm="0">
-                                          <p:val>
-                                            <p:strVal val="#ppt_x"/>
-                                          </p:val>
-                                        </p:tav>
-                                        <p:tav tm="100000">
-                                          <p:val>
-                                            <p:strVal val="#ppt_x"/>
-                                          </p:val>
-                                        </p:tav>
-                                      </p:tavLst>
-                                    </p:anim>
-                                    <p:anim calcmode="lin" valueType="num">
-                                      <p:cBhvr additive="base">
-                                        <p:cTn id="24" dur="500" fill="hold"/>
-                                        <p:tgtEl>
-                                          <p:spTgt spid="4"/>
                                         </p:tgtEl>
                                         <p:attrNameLst>
                                           <p:attrName>ppt_y</p:attrName>
@@ -4870,7 +4902,7 @@
             </a:r>
             <a:r>
               <a:rPr lang="it-IT" dirty="0"/>
-              <a:t>: la soluzione definitiva</a:t>
+              <a:t>: la soluzione definitiva (2020)</a:t>
             </a:r>
           </a:p>
           <a:p>
@@ -5001,8 +5033,12 @@
               <a:buChar char="o"/>
             </a:pPr>
             <a:r>
+              <a:rPr lang="it-IT"/>
+              <a:t>Informazioni dei tipi usati dal </a:t>
+            </a:r>
+            <a:r>
               <a:rPr lang="it-IT" dirty="0"/>
-              <a:t>Informazioni BTF del kernel all’interno del file </a:t>
+              <a:t>kernel all’interno del file </a:t>
             </a:r>
             <a:r>
               <a:rPr lang="it-IT" i="1" dirty="0"/>
@@ -6182,7 +6218,7 @@
         <p:spPr>
           <a:xfrm>
             <a:off x="762000" y="4057471"/>
-            <a:ext cx="6278677" cy="1200329"/>
+            <a:ext cx="6278677" cy="1477328"/>
           </a:xfrm>
           <a:prstGeom prst="rect">
             <a:avLst/>
@@ -6217,6 +6253,17 @@
             <a:r>
               <a:rPr lang="it-IT" dirty="0"/>
               <a:t>Offre solo due hook points e due mappe</a:t>
+            </a:r>
+          </a:p>
+          <a:p>
+            <a:pPr marL="742950" lvl="1" indent="-285750">
+              <a:buSzPct val="65000"/>
+              <a:buFont typeface="Courier New" panose="02070309020205020404" pitchFamily="49" charset="0"/>
+              <a:buChar char="o"/>
+            </a:pPr>
+            <a:r>
+              <a:rPr lang="it-IT" dirty="0"/>
+              <a:t>Mostra solo delle metriche come output</a:t>
             </a:r>
           </a:p>
           <a:p>
@@ -7928,7 +7975,7 @@
             </a:pPr>
             <a:r>
               <a:rPr lang="it-IT" dirty="0"/>
-              <a:t>Problemi </a:t>
+              <a:t>Funzionamento più complesso </a:t>
             </a:r>
           </a:p>
           <a:p>
@@ -7939,7 +7986,19 @@
             </a:pPr>
             <a:r>
               <a:rPr lang="it-IT" dirty="0"/>
-              <a:t>Funzionamento più complesso </a:t>
+              <a:t>Non sfrutta gli </a:t>
+            </a:r>
+            <a:r>
+              <a:rPr lang="it-IT" i="1" dirty="0"/>
+              <a:t>skeleton </a:t>
+            </a:r>
+            <a:r>
+              <a:rPr lang="it-IT" i="1" dirty="0" err="1"/>
+              <a:t>headers</a:t>
+            </a:r>
+            <a:r>
+              <a:rPr lang="it-IT" dirty="0"/>
+              <a:t> </a:t>
             </a:r>
           </a:p>
           <a:p>
@@ -7950,21 +8009,16 @@
             </a:pPr>
             <a:r>
               <a:rPr lang="it-IT" dirty="0"/>
-              <a:t>Problemi quando si fa </a:t>
-            </a:r>
-            <a:r>
-              <a:rPr lang="it-IT" i="1" dirty="0"/>
-              <a:t>"include" </a:t>
-            </a:r>
-            <a:r>
-              <a:rPr lang="it-IT" dirty="0"/>
-              <a:t>di alcuni </a:t>
+              <a:t>Alcuni </a:t>
             </a:r>
             <a:r>
               <a:rPr lang="it-IT" dirty="0" err="1"/>
               <a:t>header</a:t>
             </a:r>
-            <a:endParaRPr lang="it-IT" dirty="0"/>
+            <a:r>
+              <a:rPr lang="it-IT" dirty="0"/>
+              <a:t> non vengono riconosciuti dal compilatore</a:t>
+            </a:r>
           </a:p>
         </p:txBody>
       </p:sp>
@@ -10449,7 +10503,7 @@
         <p:spPr>
           <a:xfrm>
             <a:off x="762000" y="1600200"/>
-            <a:ext cx="9687154" cy="3224344"/>
+            <a:ext cx="9687154" cy="3686009"/>
           </a:xfrm>
           <a:prstGeom prst="rect">
             <a:avLst/>
@@ -10461,6 +10515,26 @@
           </a:bodyPr>
           <a:lstStyle/>
           <a:p>
+            <a:pPr marL="342900" indent="-342900">
+              <a:lnSpc>
+                <a:spcPct val="150000"/>
+              </a:lnSpc>
+              <a:buFont typeface="+mj-lt"/>
+              <a:buAutoNum type="arabicPeriod"/>
+            </a:pPr>
+            <a:r>
+              <a:rPr lang="it-IT" sz="2000" dirty="0">
+                <a:solidFill>
+                  <a:srgbClr val="172542"/>
+                </a:solidFill>
+                <a:latin typeface="Calibri" panose="020F0502020204030204" pitchFamily="34" charset="0"/>
+                <a:ea typeface="+mj-ea"/>
+                <a:cs typeface="Calibri" panose="020F0502020204030204" pitchFamily="34" charset="0"/>
+              </a:rPr>
+              <a:t>https://ebpf.io/</a:t>
+            </a:r>
+          </a:p>
+          <a:p>
             <a:pPr marL="342900" indent="-342900" algn="l">
               <a:lnSpc>
                 <a:spcPct val="150000"/>
@@ -10477,29 +10551,7 @@
                 <a:ea typeface="+mj-ea"/>
                 <a:cs typeface="Calibri" panose="020F0502020204030204" pitchFamily="34" charset="0"/>
               </a:rPr>
-              <a:t>https://</a:t>
-            </a:r>
-            <a:r>
-              <a:rPr lang="it-IT" sz="2000" dirty="0" err="1">
-                <a:solidFill>
-                  <a:srgbClr val="172542"/>
-                </a:solidFill>
-                <a:latin typeface="Calibri" panose="020F0502020204030204" pitchFamily="34" charset="0"/>
-                <a:ea typeface="+mj-ea"/>
-                <a:cs typeface="Calibri" panose="020F0502020204030204" pitchFamily="34" charset="0"/>
-              </a:rPr>
-              <a:t>nakryiko.com</a:t>
-            </a:r>
-            <a:r>
-              <a:rPr lang="it-IT" sz="2000" dirty="0">
-                <a:solidFill>
-                  <a:srgbClr val="172542"/>
-                </a:solidFill>
-                <a:latin typeface="Calibri" panose="020F0502020204030204" pitchFamily="34" charset="0"/>
-                <a:ea typeface="+mj-ea"/>
-                <a:cs typeface="Calibri" panose="020F0502020204030204" pitchFamily="34" charset="0"/>
-              </a:rPr>
-              <a:t>/</a:t>
+              <a:t>https://nakryiko.com/</a:t>
             </a:r>
           </a:p>
           <a:p>
@@ -10816,7 +10868,7 @@
                                         <p:tgtEl>
                                           <p:spTgt spid="3">
                                             <p:txEl>
-                                              <p:pRg st="1" end="1"/>
+                                              <p:pRg st="2" end="2"/>
                                             </p:txEl>
                                           </p:spTgt>
                                         </p:tgtEl>
@@ -10834,7 +10886,7 @@
                                         <p:tgtEl>
                                           <p:spTgt spid="3">
                                             <p:txEl>
-                                              <p:pRg st="1" end="1"/>
+                                              <p:pRg st="2" end="2"/>
                                             </p:txEl>
                                           </p:spTgt>
                                         </p:tgtEl>
@@ -10861,7 +10913,7 @@
                                         <p:tgtEl>
                                           <p:spTgt spid="3">
                                             <p:txEl>
-                                              <p:pRg st="1" end="1"/>
+                                              <p:pRg st="2" end="2"/>
                                             </p:txEl>
                                           </p:spTgt>
                                         </p:tgtEl>
@@ -10901,7 +10953,7 @@
                                         <p:tgtEl>
                                           <p:spTgt spid="3">
                                             <p:txEl>
-                                              <p:pRg st="2" end="2"/>
+                                              <p:pRg st="3" end="3"/>
                                             </p:txEl>
                                           </p:spTgt>
                                         </p:tgtEl>
@@ -10919,7 +10971,7 @@
                                         <p:tgtEl>
                                           <p:spTgt spid="3">
                                             <p:txEl>
-                                              <p:pRg st="2" end="2"/>
+                                              <p:pRg st="3" end="3"/>
                                             </p:txEl>
                                           </p:spTgt>
                                         </p:tgtEl>
@@ -10946,7 +10998,7 @@
                                         <p:tgtEl>
                                           <p:spTgt spid="3">
                                             <p:txEl>
-                                              <p:pRg st="2" end="2"/>
+                                              <p:pRg st="3" end="3"/>
                                             </p:txEl>
                                           </p:spTgt>
                                         </p:tgtEl>
@@ -10986,7 +11038,7 @@
                                         <p:tgtEl>
                                           <p:spTgt spid="3">
                                             <p:txEl>
-                                              <p:pRg st="3" end="3"/>
+                                              <p:pRg st="4" end="4"/>
                                             </p:txEl>
                                           </p:spTgt>
                                         </p:tgtEl>
@@ -11004,7 +11056,7 @@
                                         <p:tgtEl>
                                           <p:spTgt spid="3">
                                             <p:txEl>
-                                              <p:pRg st="3" end="3"/>
+                                              <p:pRg st="4" end="4"/>
                                             </p:txEl>
                                           </p:spTgt>
                                         </p:tgtEl>
@@ -11031,7 +11083,7 @@
                                         <p:tgtEl>
                                           <p:spTgt spid="3">
                                             <p:txEl>
-                                              <p:pRg st="3" end="3"/>
+                                              <p:pRg st="4" end="4"/>
                                             </p:txEl>
                                           </p:spTgt>
                                         </p:tgtEl>
@@ -11071,7 +11123,7 @@
                                         <p:tgtEl>
                                           <p:spTgt spid="3">
                                             <p:txEl>
-                                              <p:pRg st="4" end="4"/>
+                                              <p:pRg st="5" end="5"/>
                                             </p:txEl>
                                           </p:spTgt>
                                         </p:tgtEl>
@@ -11089,7 +11141,7 @@
                                         <p:tgtEl>
                                           <p:spTgt spid="3">
                                             <p:txEl>
-                                              <p:pRg st="4" end="4"/>
+                                              <p:pRg st="5" end="5"/>
                                             </p:txEl>
                                           </p:spTgt>
                                         </p:tgtEl>
@@ -11116,7 +11168,7 @@
                                         <p:tgtEl>
                                           <p:spTgt spid="3">
                                             <p:txEl>
-                                              <p:pRg st="4" end="4"/>
+                                              <p:pRg st="5" end="5"/>
                                             </p:txEl>
                                           </p:spTgt>
                                         </p:tgtEl>
@@ -11156,7 +11208,7 @@
                                         <p:tgtEl>
                                           <p:spTgt spid="3">
                                             <p:txEl>
-                                              <p:pRg st="5" end="5"/>
+                                              <p:pRg st="6" end="6"/>
                                             </p:txEl>
                                           </p:spTgt>
                                         </p:tgtEl>
@@ -11174,7 +11226,7 @@
                                         <p:tgtEl>
                                           <p:spTgt spid="3">
                                             <p:txEl>
-                                              <p:pRg st="5" end="5"/>
+                                              <p:pRg st="6" end="6"/>
                                             </p:txEl>
                                           </p:spTgt>
                                         </p:tgtEl>
@@ -11201,7 +11253,7 @@
                                         <p:tgtEl>
                                           <p:spTgt spid="3">
                                             <p:txEl>
-                                              <p:pRg st="5" end="5"/>
+                                              <p:pRg st="6" end="6"/>
                                             </p:txEl>
                                           </p:spTgt>
                                         </p:tgtEl>
@@ -11241,7 +11293,7 @@
                                         <p:tgtEl>
                                           <p:spTgt spid="3">
                                             <p:txEl>
-                                              <p:pRg st="6" end="6"/>
+                                              <p:pRg st="7" end="7"/>
                                             </p:txEl>
                                           </p:spTgt>
                                         </p:tgtEl>
@@ -11259,7 +11311,7 @@
                                         <p:tgtEl>
                                           <p:spTgt spid="3">
                                             <p:txEl>
-                                              <p:pRg st="6" end="6"/>
+                                              <p:pRg st="7" end="7"/>
                                             </p:txEl>
                                           </p:spTgt>
                                         </p:tgtEl>
@@ -11286,7 +11338,92 @@
                                         <p:tgtEl>
                                           <p:spTgt spid="3">
                                             <p:txEl>
-                                              <p:pRg st="6" end="6"/>
+                                              <p:pRg st="7" end="7"/>
+                                            </p:txEl>
+                                          </p:spTgt>
+                                        </p:tgtEl>
+                                        <p:attrNameLst>
+                                          <p:attrName>ppt_y</p:attrName>
+                                        </p:attrNameLst>
+                                      </p:cBhvr>
+                                      <p:tavLst>
+                                        <p:tav tm="0">
+                                          <p:val>
+                                            <p:strVal val="1+#ppt_h/2"/>
+                                          </p:val>
+                                        </p:tav>
+                                        <p:tav tm="100000">
+                                          <p:val>
+                                            <p:strVal val="#ppt_y"/>
+                                          </p:val>
+                                        </p:tav>
+                                      </p:tavLst>
+                                    </p:anim>
+                                  </p:childTnLst>
+                                </p:cTn>
+                              </p:par>
+                              <p:par>
+                                <p:cTn id="33" presetID="2" presetClass="entr" presetSubtype="4" fill="hold" nodeType="withEffect">
+                                  <p:stCondLst>
+                                    <p:cond delay="0"/>
+                                  </p:stCondLst>
+                                  <p:childTnLst>
+                                    <p:set>
+                                      <p:cBhvr>
+                                        <p:cTn id="34" dur="1" fill="hold">
+                                          <p:stCondLst>
+                                            <p:cond delay="0"/>
+                                          </p:stCondLst>
+                                        </p:cTn>
+                                        <p:tgtEl>
+                                          <p:spTgt spid="3">
+                                            <p:txEl>
+                                              <p:pRg st="1" end="1"/>
+                                            </p:txEl>
+                                          </p:spTgt>
+                                        </p:tgtEl>
+                                        <p:attrNameLst>
+                                          <p:attrName>style.visibility</p:attrName>
+                                        </p:attrNameLst>
+                                      </p:cBhvr>
+                                      <p:to>
+                                        <p:strVal val="visible"/>
+                                      </p:to>
+                                    </p:set>
+                                    <p:anim calcmode="lin" valueType="num">
+                                      <p:cBhvr additive="base">
+                                        <p:cTn id="35" dur="500" fill="hold"/>
+                                        <p:tgtEl>
+                                          <p:spTgt spid="3">
+                                            <p:txEl>
+                                              <p:pRg st="1" end="1"/>
+                                            </p:txEl>
+                                          </p:spTgt>
+                                        </p:tgtEl>
+                                        <p:attrNameLst>
+                                          <p:attrName>ppt_x</p:attrName>
+                                        </p:attrNameLst>
+                                      </p:cBhvr>
+                                      <p:tavLst>
+                                        <p:tav tm="0">
+                                          <p:val>
+                                            <p:strVal val="#ppt_x"/>
+                                          </p:val>
+                                        </p:tav>
+                                        <p:tav tm="100000">
+                                          <p:val>
+                                            <p:strVal val="#ppt_x"/>
+                                          </p:val>
+                                        </p:tav>
+                                      </p:tavLst>
+                                    </p:anim>
+                                    <p:anim calcmode="lin" valueType="num">
+                                      <p:cBhvr additive="base">
+                                        <p:cTn id="36" dur="500" fill="hold"/>
+                                        <p:tgtEl>
+                                          <p:spTgt spid="3">
+                                            <p:txEl>
+                                              <p:pRg st="1" end="1"/>
                                             </p:txEl>
                                           </p:spTgt>
                                         </p:tgtEl>
@@ -13176,8 +13313,12 @@
               <a:buChar char="o"/>
             </a:pPr>
             <a:r>
+              <a:rPr lang="it-IT" i="1" dirty="0" err="1"/>
+              <a:t>Directed</a:t>
+            </a:r>
+            <a:r>
               <a:rPr lang="it-IT" i="1" dirty="0"/>
-              <a:t>Direct </a:t>
+              <a:t> </a:t>
             </a:r>
             <a:r>
               <a:rPr lang="it-IT" i="1" dirty="0" err="1"/>
@@ -13695,7 +13836,7 @@
             </a:r>
             <a:r>
               <a:rPr lang="it-IT" dirty="0"/>
-              <a:t>: metodi esposti dall’API per chiamare le funzioni del kernel</a:t>
+              <a:t>: metodi esposti dall’API per invocare le funzioni del kernel</a:t>
             </a:r>
           </a:p>
           <a:p>
@@ -13709,8 +13850,12 @@
               <a:t>Hook points</a:t>
             </a:r>
             <a:r>
+              <a:rPr lang="it-IT"/>
+              <a:t>: punti </a:t>
+            </a:r>
+            <a:r>
               <a:rPr lang="it-IT" dirty="0"/>
-              <a:t>: punto nel kernel a cui viene attaccato il programma </a:t>
+              <a:t>nel kernel a cui viene attaccato il programma </a:t>
             </a:r>
             <a:r>
               <a:rPr lang="it-IT" dirty="0" err="1"/>
@@ -14686,7 +14831,7 @@
             </a:r>
             <a:r>
               <a:rPr lang="it-IT" dirty="0"/>
-              <a:t> che contiene macro, funzioni e </a:t>
+              <a:t> che contiene macro e </a:t>
             </a:r>
             <a:r>
               <a:rPr lang="it-IT" dirty="0" err="1"/>
